--- a/AED PPT.pptx
+++ b/AED PPT.pptx
@@ -33,6 +33,9 @@
     <p:sldId id="292" r:id="rId27"/>
     <p:sldId id="293" r:id="rId28"/>
     <p:sldId id="295" r:id="rId29"/>
+    <p:sldId id="298" r:id="rId30"/>
+    <p:sldId id="299" r:id="rId31"/>
+    <p:sldId id="300" r:id="rId32"/>
   </p:sldIdLst>
   <p:sldSz cx="12192000" cy="6858000"/>
   <p:notesSz cx="6858000" cy="9144000"/>
@@ -1351,7 +1354,7 @@
             <a:fld id="{9334D819-9F07-4261-B09B-9E467E5D9002}" type="datetimeFigureOut">
               <a:rPr lang="en-US" dirty="0"/>
               <a:pPr/>
-              <a:t>9/10/2019</a:t>
+              <a:t>9/16/2019</a:t>
             </a:fld>
             <a:endParaRPr lang="en-US" dirty="0"/>
           </a:p>
@@ -1585,7 +1588,7 @@
           <a:p>
             <a:fld id="{9334D819-9F07-4261-B09B-9E467E5D9002}" type="datetimeFigureOut">
               <a:rPr lang="en-US" dirty="0"/>
-              <a:t>9/10/2019</a:t>
+              <a:t>9/16/2019</a:t>
             </a:fld>
             <a:endParaRPr lang="en-US" dirty="0"/>
           </a:p>
@@ -1760,7 +1763,7 @@
           <a:p>
             <a:fld id="{9334D819-9F07-4261-B09B-9E467E5D9002}" type="datetimeFigureOut">
               <a:rPr lang="en-US" dirty="0"/>
-              <a:t>9/10/2019</a:t>
+              <a:t>9/16/2019</a:t>
             </a:fld>
             <a:endParaRPr lang="en-US" dirty="0"/>
           </a:p>
@@ -1925,7 +1928,7 @@
           <a:p>
             <a:fld id="{9334D819-9F07-4261-B09B-9E467E5D9002}" type="datetimeFigureOut">
               <a:rPr lang="en-US" dirty="0"/>
-              <a:t>9/10/2019</a:t>
+              <a:t>9/16/2019</a:t>
             </a:fld>
             <a:endParaRPr lang="en-US" dirty="0"/>
           </a:p>
@@ -2197,7 +2200,7 @@
             <a:fld id="{9334D819-9F07-4261-B09B-9E467E5D9002}" type="datetimeFigureOut">
               <a:rPr lang="en-US" dirty="0"/>
               <a:pPr/>
-              <a:t>9/10/2019</a:t>
+              <a:t>9/16/2019</a:t>
             </a:fld>
             <a:endParaRPr lang="en-US" dirty="0"/>
           </a:p>
@@ -3394,7 +3397,7 @@
           <a:p>
             <a:fld id="{9334D819-9F07-4261-B09B-9E467E5D9002}" type="datetimeFigureOut">
               <a:rPr lang="en-US" dirty="0"/>
-              <a:t>9/10/2019</a:t>
+              <a:t>9/16/2019</a:t>
             </a:fld>
             <a:endParaRPr lang="en-US" dirty="0"/>
           </a:p>
@@ -3779,7 +3782,7 @@
           <a:p>
             <a:fld id="{9334D819-9F07-4261-B09B-9E467E5D9002}" type="datetimeFigureOut">
               <a:rPr lang="en-US" dirty="0"/>
-              <a:t>9/10/2019</a:t>
+              <a:t>9/16/2019</a:t>
             </a:fld>
             <a:endParaRPr lang="en-US" dirty="0"/>
           </a:p>
@@ -3897,7 +3900,7 @@
           <a:p>
             <a:fld id="{9334D819-9F07-4261-B09B-9E467E5D9002}" type="datetimeFigureOut">
               <a:rPr lang="en-US" dirty="0"/>
-              <a:t>9/10/2019</a:t>
+              <a:t>9/16/2019</a:t>
             </a:fld>
             <a:endParaRPr lang="en-US" dirty="0"/>
           </a:p>
@@ -3987,7 +3990,7 @@
           <a:p>
             <a:fld id="{9334D819-9F07-4261-B09B-9E467E5D9002}" type="datetimeFigureOut">
               <a:rPr lang="en-US" dirty="0"/>
-              <a:t>9/10/2019</a:t>
+              <a:t>9/16/2019</a:t>
             </a:fld>
             <a:endParaRPr lang="en-US" dirty="0"/>
           </a:p>
@@ -4745,7 +4748,7 @@
           <a:p>
             <a:fld id="{9334D819-9F07-4261-B09B-9E467E5D9002}" type="datetimeFigureOut">
               <a:rPr lang="en-US" dirty="0"/>
-              <a:t>9/10/2019</a:t>
+              <a:t>9/16/2019</a:t>
             </a:fld>
             <a:endParaRPr lang="en-US" dirty="0"/>
           </a:p>
@@ -5580,7 +5583,7 @@
           <a:p>
             <a:fld id="{9334D819-9F07-4261-B09B-9E467E5D9002}" type="datetimeFigureOut">
               <a:rPr lang="en-US" dirty="0"/>
-              <a:t>9/10/2019</a:t>
+              <a:t>9/16/2019</a:t>
             </a:fld>
             <a:endParaRPr lang="en-US" dirty="0"/>
           </a:p>
@@ -5803,7 +5806,7 @@
             <a:fld id="{9334D819-9F07-4261-B09B-9E467E5D9002}" type="datetimeFigureOut">
               <a:rPr lang="en-US" dirty="0"/>
               <a:pPr/>
-              <a:t>9/10/2019</a:t>
+              <a:t>9/16/2019</a:t>
             </a:fld>
             <a:endParaRPr lang="en-US" dirty="0"/>
           </a:p>
@@ -14411,7 +14414,7 @@
         </p:nvGrpSpPr>
         <p:grpSpPr>
           <a:xfrm>
-            <a:off x="4870715" y="768096"/>
+            <a:off x="1807475" y="768096"/>
             <a:ext cx="2450569" cy="5321808"/>
             <a:chOff x="4870715" y="768096"/>
             <a:chExt cx="2450569" cy="5321808"/>
@@ -15097,10 +15100,608 @@
           </a:p>
         </p:txBody>
       </p:sp>
+      <p:sp>
+        <p:nvSpPr>
+          <p:cNvPr id="21" name="제목 1">
+            <a:extLst>
+              <a:ext uri="{FF2B5EF4-FFF2-40B4-BE49-F238E27FC236}">
+                <a16:creationId xmlns:a16="http://schemas.microsoft.com/office/drawing/2014/main" id="{978518E1-7305-464D-9FCD-01D3288C4BA9}"/>
+              </a:ext>
+            </a:extLst>
+          </p:cNvPr>
+          <p:cNvSpPr>
+            <a:spLocks noGrp="1"/>
+          </p:cNvSpPr>
+          <p:nvPr>
+            <p:ph type="title"/>
+          </p:nvPr>
+        </p:nvSpPr>
+        <p:spPr>
+          <a:xfrm>
+            <a:off x="3022047" y="251686"/>
+            <a:ext cx="10331721" cy="2206752"/>
+          </a:xfrm>
+          <a:ln>
+            <a:noFill/>
+          </a:ln>
+        </p:spPr>
+        <p:txBody>
+          <a:bodyPr anchor="ctr">
+            <a:normAutofit/>
+          </a:bodyPr>
+          <a:lstStyle/>
+          <a:p>
+            <a:pPr algn="ctr">
+              <a:lnSpc>
+                <a:spcPct val="100000"/>
+              </a:lnSpc>
+            </a:pPr>
+            <a:r>
+              <a:rPr lang="ko-KR" altLang="en-US" sz="5400">
+                <a:solidFill>
+                  <a:schemeClr val="tx1"/>
+                </a:solidFill>
+                <a:latin typeface="타이포_쌍문동 B" panose="02020803020101020101" pitchFamily="18" charset="-127"/>
+                <a:ea typeface="타이포_쌍문동 B" panose="02020803020101020101" pitchFamily="18" charset="-127"/>
+              </a:rPr>
+              <a:t>메인화면 </a:t>
+            </a:r>
+            <a:r>
+              <a:rPr lang="en-US" altLang="ko-KR" sz="5400">
+                <a:solidFill>
+                  <a:schemeClr val="tx1"/>
+                </a:solidFill>
+                <a:latin typeface="타이포_쌍문동 B" panose="02020803020101020101" pitchFamily="18" charset="-127"/>
+                <a:ea typeface="타이포_쌍문동 B" panose="02020803020101020101" pitchFamily="18" charset="-127"/>
+              </a:rPr>
+              <a:t>UI</a:t>
+            </a:r>
+            <a:endParaRPr lang="ko-KR" altLang="en-US" sz="5400">
+              <a:solidFill>
+                <a:schemeClr val="tx1"/>
+              </a:solidFill>
+              <a:latin typeface="타이포_쌍문동 B" panose="02020803020101020101" pitchFamily="18" charset="-127"/>
+              <a:ea typeface="타이포_쌍문동 B" panose="02020803020101020101" pitchFamily="18" charset="-127"/>
+            </a:endParaRPr>
+          </a:p>
+        </p:txBody>
+      </p:sp>
+      <p:sp>
+        <p:nvSpPr>
+          <p:cNvPr id="22" name="TextBox 21">
+            <a:extLst>
+              <a:ext uri="{FF2B5EF4-FFF2-40B4-BE49-F238E27FC236}">
+                <a16:creationId xmlns:a16="http://schemas.microsoft.com/office/drawing/2014/main" id="{20A443A2-F449-4E38-9AEE-B566DAF9F4C3}"/>
+              </a:ext>
+            </a:extLst>
+          </p:cNvPr>
+          <p:cNvSpPr txBox="1"/>
+          <p:nvPr/>
+        </p:nvSpPr>
+        <p:spPr>
+          <a:xfrm>
+            <a:off x="3561513" y="2582703"/>
+            <a:ext cx="9252788" cy="2246769"/>
+          </a:xfrm>
+          <a:prstGeom prst="rect">
+            <a:avLst/>
+          </a:prstGeom>
+          <a:noFill/>
+        </p:spPr>
+        <p:txBody>
+          <a:bodyPr wrap="square" rtlCol="0">
+            <a:spAutoFit/>
+          </a:bodyPr>
+          <a:lstStyle/>
+          <a:p>
+            <a:pPr algn="ctr"/>
+            <a:r>
+              <a:rPr lang="ko-KR" altLang="en-US" sz="2800">
+                <a:solidFill>
+                  <a:srgbClr val="C00000"/>
+                </a:solidFill>
+                <a:latin typeface="타이포_쌍문동 B" panose="02020803020101020101" pitchFamily="18" charset="-127"/>
+                <a:ea typeface="타이포_쌍문동 B" panose="02020803020101020101" pitchFamily="18" charset="-127"/>
+              </a:rPr>
+              <a:t>현 위치를 기반</a:t>
+            </a:r>
+            <a:r>
+              <a:rPr lang="ko-KR" altLang="en-US" sz="2800">
+                <a:latin typeface="타이포_쌍문동 B" panose="02020803020101020101" pitchFamily="18" charset="-127"/>
+                <a:ea typeface="타이포_쌍문동 B" panose="02020803020101020101" pitchFamily="18" charset="-127"/>
+              </a:rPr>
+              <a:t>으로 주변 </a:t>
+            </a:r>
+            <a:r>
+              <a:rPr lang="en-US" altLang="ko-KR" sz="2800">
+                <a:latin typeface="타이포_쌍문동 B" panose="02020803020101020101" pitchFamily="18" charset="-127"/>
+                <a:ea typeface="타이포_쌍문동 B" panose="02020803020101020101" pitchFamily="18" charset="-127"/>
+              </a:rPr>
+              <a:t>AED </a:t>
+            </a:r>
+            <a:r>
+              <a:rPr lang="ko-KR" altLang="en-US" sz="2800">
+                <a:latin typeface="타이포_쌍문동 B" panose="02020803020101020101" pitchFamily="18" charset="-127"/>
+                <a:ea typeface="타이포_쌍문동 B" panose="02020803020101020101" pitchFamily="18" charset="-127"/>
+              </a:rPr>
+              <a:t>탐색</a:t>
+            </a:r>
+            <a:endParaRPr lang="en-US" altLang="ko-KR" sz="2800">
+              <a:latin typeface="타이포_쌍문동 B" panose="02020803020101020101" pitchFamily="18" charset="-127"/>
+              <a:ea typeface="타이포_쌍문동 B" panose="02020803020101020101" pitchFamily="18" charset="-127"/>
+            </a:endParaRPr>
+          </a:p>
+          <a:p>
+            <a:pPr algn="ctr"/>
+            <a:endParaRPr lang="en-US" altLang="ko-KR" sz="2800">
+              <a:latin typeface="타이포_쌍문동 B" panose="02020803020101020101" pitchFamily="18" charset="-127"/>
+              <a:ea typeface="타이포_쌍문동 B" panose="02020803020101020101" pitchFamily="18" charset="-127"/>
+            </a:endParaRPr>
+          </a:p>
+          <a:p>
+            <a:pPr algn="ctr"/>
+            <a:r>
+              <a:rPr lang="ko-KR" altLang="en-US" sz="2800">
+                <a:latin typeface="타이포_쌍문동 B" panose="02020803020101020101" pitchFamily="18" charset="-127"/>
+                <a:ea typeface="타이포_쌍문동 B" panose="02020803020101020101" pitchFamily="18" charset="-127"/>
+              </a:rPr>
+              <a:t>마커 터치 시 해당 </a:t>
+            </a:r>
+            <a:r>
+              <a:rPr lang="en-US" altLang="ko-KR" sz="2800">
+                <a:solidFill>
+                  <a:srgbClr val="C00000"/>
+                </a:solidFill>
+                <a:latin typeface="타이포_쌍문동 B" panose="02020803020101020101" pitchFamily="18" charset="-127"/>
+                <a:ea typeface="타이포_쌍문동 B" panose="02020803020101020101" pitchFamily="18" charset="-127"/>
+              </a:rPr>
+              <a:t>AED</a:t>
+            </a:r>
+            <a:r>
+              <a:rPr lang="ko-KR" altLang="en-US" sz="2800">
+                <a:solidFill>
+                  <a:srgbClr val="C00000"/>
+                </a:solidFill>
+                <a:latin typeface="타이포_쌍문동 B" panose="02020803020101020101" pitchFamily="18" charset="-127"/>
+                <a:ea typeface="타이포_쌍문동 B" panose="02020803020101020101" pitchFamily="18" charset="-127"/>
+              </a:rPr>
+              <a:t>의 상세정보</a:t>
+            </a:r>
+            <a:r>
+              <a:rPr lang="ko-KR" altLang="en-US" sz="2800">
+                <a:latin typeface="타이포_쌍문동 B" panose="02020803020101020101" pitchFamily="18" charset="-127"/>
+                <a:ea typeface="타이포_쌍문동 B" panose="02020803020101020101" pitchFamily="18" charset="-127"/>
+              </a:rPr>
+              <a:t> 출력</a:t>
+            </a:r>
+            <a:endParaRPr lang="en-US" altLang="ko-KR" sz="2800">
+              <a:latin typeface="타이포_쌍문동 B" panose="02020803020101020101" pitchFamily="18" charset="-127"/>
+              <a:ea typeface="타이포_쌍문동 B" panose="02020803020101020101" pitchFamily="18" charset="-127"/>
+            </a:endParaRPr>
+          </a:p>
+          <a:p>
+            <a:pPr algn="ctr"/>
+            <a:endParaRPr lang="en-US" altLang="ko-KR" sz="2800">
+              <a:latin typeface="타이포_쌍문동 B" panose="02020803020101020101" pitchFamily="18" charset="-127"/>
+              <a:ea typeface="타이포_쌍문동 B" panose="02020803020101020101" pitchFamily="18" charset="-127"/>
+            </a:endParaRPr>
+          </a:p>
+          <a:p>
+            <a:pPr algn="ctr"/>
+            <a:r>
+              <a:rPr lang="ko-KR" altLang="en-US" sz="2800">
+                <a:latin typeface="타이포_쌍문동 B" panose="02020803020101020101" pitchFamily="18" charset="-127"/>
+                <a:ea typeface="타이포_쌍문동 B" panose="02020803020101020101" pitchFamily="18" charset="-127"/>
+              </a:rPr>
+              <a:t>신고 버튼 터치 시 </a:t>
+            </a:r>
+            <a:r>
+              <a:rPr lang="ko-KR" altLang="en-US" sz="2800">
+                <a:solidFill>
+                  <a:srgbClr val="C00000"/>
+                </a:solidFill>
+                <a:latin typeface="타이포_쌍문동 B" panose="02020803020101020101" pitchFamily="18" charset="-127"/>
+                <a:ea typeface="타이포_쌍문동 B" panose="02020803020101020101" pitchFamily="18" charset="-127"/>
+              </a:rPr>
+              <a:t>현 위치로 신고</a:t>
+            </a:r>
+            <a:r>
+              <a:rPr lang="ko-KR" altLang="en-US" sz="2800">
+                <a:latin typeface="타이포_쌍문동 B" panose="02020803020101020101" pitchFamily="18" charset="-127"/>
+                <a:ea typeface="타이포_쌍문동 B" panose="02020803020101020101" pitchFamily="18" charset="-127"/>
+              </a:rPr>
+              <a:t> 기능</a:t>
+            </a:r>
+          </a:p>
+        </p:txBody>
+      </p:sp>
     </p:spTree>
     <p:extLst>
       <p:ext uri="{BB962C8B-B14F-4D97-AF65-F5344CB8AC3E}">
         <p14:creationId xmlns:p14="http://schemas.microsoft.com/office/powerpoint/2010/main" val="856066133"/>
+      </p:ext>
+    </p:extLst>
+  </p:cSld>
+  <p:clrMapOvr>
+    <a:masterClrMapping/>
+  </p:clrMapOvr>
+</p:sld>
+</file>
+
+<file path=ppt/slides/slide29.xml><?xml version="1.0" encoding="utf-8"?>
+<p:sld xmlns:a="http://schemas.openxmlformats.org/drawingml/2006/main" xmlns:r="http://schemas.openxmlformats.org/officeDocument/2006/relationships" xmlns:p="http://schemas.openxmlformats.org/presentationml/2006/main">
+  <p:cSld>
+    <p:spTree>
+      <p:nvGrpSpPr>
+        <p:cNvPr id="1" name=""/>
+        <p:cNvGrpSpPr/>
+        <p:nvPr/>
+      </p:nvGrpSpPr>
+      <p:grpSpPr>
+        <a:xfrm>
+          <a:off x="0" y="0"/>
+          <a:ext cx="0" cy="0"/>
+          <a:chOff x="0" y="0"/>
+          <a:chExt cx="0" cy="0"/>
+        </a:xfrm>
+      </p:grpSpPr>
+      <p:sp>
+        <p:nvSpPr>
+          <p:cNvPr id="18" name="TextBox 17">
+            <a:extLst>
+              <a:ext uri="{FF2B5EF4-FFF2-40B4-BE49-F238E27FC236}">
+                <a16:creationId xmlns:a16="http://schemas.microsoft.com/office/drawing/2014/main" id="{8C6016B3-3348-4F28-B022-4DA93FE61276}"/>
+              </a:ext>
+            </a:extLst>
+          </p:cNvPr>
+          <p:cNvSpPr txBox="1"/>
+          <p:nvPr/>
+        </p:nvSpPr>
+        <p:spPr>
+          <a:xfrm>
+            <a:off x="11360888" y="6436850"/>
+            <a:ext cx="521298" cy="369332"/>
+          </a:xfrm>
+          <a:prstGeom prst="rect">
+            <a:avLst/>
+          </a:prstGeom>
+          <a:noFill/>
+        </p:spPr>
+        <p:txBody>
+          <a:bodyPr wrap="none" rtlCol="0">
+            <a:spAutoFit/>
+          </a:bodyPr>
+          <a:lstStyle/>
+          <a:p>
+            <a:pPr algn="r"/>
+            <a:r>
+              <a:rPr lang="en-US" altLang="ko-KR">
+                <a:solidFill>
+                  <a:schemeClr val="tx1">
+                    <a:lumMod val="65000"/>
+                    <a:lumOff val="35000"/>
+                  </a:schemeClr>
+                </a:solidFill>
+                <a:latin typeface="타이포_쌍문동 B" panose="02020803020101020101" pitchFamily="18" charset="-127"/>
+                <a:ea typeface="타이포_쌍문동 B" panose="02020803020101020101" pitchFamily="18" charset="-127"/>
+              </a:rPr>
+              <a:t>29</a:t>
+            </a:r>
+            <a:endParaRPr lang="ko-KR" altLang="en-US">
+              <a:solidFill>
+                <a:schemeClr val="tx1">
+                  <a:lumMod val="65000"/>
+                  <a:lumOff val="35000"/>
+                </a:schemeClr>
+              </a:solidFill>
+              <a:latin typeface="타이포_쌍문동 B" panose="02020803020101020101" pitchFamily="18" charset="-127"/>
+              <a:ea typeface="타이포_쌍문동 B" panose="02020803020101020101" pitchFamily="18" charset="-127"/>
+            </a:endParaRPr>
+          </a:p>
+        </p:txBody>
+      </p:sp>
+      <p:sp>
+        <p:nvSpPr>
+          <p:cNvPr id="21" name="제목 1">
+            <a:extLst>
+              <a:ext uri="{FF2B5EF4-FFF2-40B4-BE49-F238E27FC236}">
+                <a16:creationId xmlns:a16="http://schemas.microsoft.com/office/drawing/2014/main" id="{978518E1-7305-464D-9FCD-01D3288C4BA9}"/>
+              </a:ext>
+            </a:extLst>
+          </p:cNvPr>
+          <p:cNvSpPr>
+            <a:spLocks noGrp="1"/>
+          </p:cNvSpPr>
+          <p:nvPr>
+            <p:ph type="title"/>
+          </p:nvPr>
+        </p:nvSpPr>
+        <p:spPr>
+          <a:xfrm>
+            <a:off x="3022047" y="251686"/>
+            <a:ext cx="10331721" cy="2206752"/>
+          </a:xfrm>
+          <a:ln>
+            <a:noFill/>
+          </a:ln>
+        </p:spPr>
+        <p:txBody>
+          <a:bodyPr anchor="ctr">
+            <a:normAutofit/>
+          </a:bodyPr>
+          <a:lstStyle/>
+          <a:p>
+            <a:pPr algn="ctr">
+              <a:lnSpc>
+                <a:spcPct val="100000"/>
+              </a:lnSpc>
+            </a:pPr>
+            <a:r>
+              <a:rPr lang="en-US" altLang="ko-KR" sz="5400">
+                <a:solidFill>
+                  <a:schemeClr val="tx1"/>
+                </a:solidFill>
+                <a:latin typeface="타이포_쌍문동 B" panose="02020803020101020101" pitchFamily="18" charset="-127"/>
+                <a:ea typeface="타이포_쌍문동 B" panose="02020803020101020101" pitchFamily="18" charset="-127"/>
+              </a:rPr>
+              <a:t>CRP</a:t>
+            </a:r>
+            <a:r>
+              <a:rPr lang="ko-KR" altLang="en-US" sz="5400">
+                <a:solidFill>
+                  <a:schemeClr val="tx1"/>
+                </a:solidFill>
+                <a:latin typeface="타이포_쌍문동 B" panose="02020803020101020101" pitchFamily="18" charset="-127"/>
+                <a:ea typeface="타이포_쌍문동 B" panose="02020803020101020101" pitchFamily="18" charset="-127"/>
+              </a:rPr>
+              <a:t> 순서 </a:t>
+            </a:r>
+            <a:r>
+              <a:rPr lang="en-US" altLang="ko-KR" sz="5400">
+                <a:solidFill>
+                  <a:schemeClr val="tx1"/>
+                </a:solidFill>
+                <a:latin typeface="타이포_쌍문동 B" panose="02020803020101020101" pitchFamily="18" charset="-127"/>
+                <a:ea typeface="타이포_쌍문동 B" panose="02020803020101020101" pitchFamily="18" charset="-127"/>
+              </a:rPr>
+              <a:t>UI</a:t>
+            </a:r>
+            <a:endParaRPr lang="ko-KR" altLang="en-US" sz="5400">
+              <a:solidFill>
+                <a:schemeClr val="tx1"/>
+              </a:solidFill>
+              <a:latin typeface="타이포_쌍문동 B" panose="02020803020101020101" pitchFamily="18" charset="-127"/>
+              <a:ea typeface="타이포_쌍문동 B" panose="02020803020101020101" pitchFamily="18" charset="-127"/>
+            </a:endParaRPr>
+          </a:p>
+        </p:txBody>
+      </p:sp>
+      <p:sp>
+        <p:nvSpPr>
+          <p:cNvPr id="22" name="TextBox 21">
+            <a:extLst>
+              <a:ext uri="{FF2B5EF4-FFF2-40B4-BE49-F238E27FC236}">
+                <a16:creationId xmlns:a16="http://schemas.microsoft.com/office/drawing/2014/main" id="{20A443A2-F449-4E38-9AEE-B566DAF9F4C3}"/>
+              </a:ext>
+            </a:extLst>
+          </p:cNvPr>
+          <p:cNvSpPr txBox="1"/>
+          <p:nvPr/>
+        </p:nvSpPr>
+        <p:spPr>
+          <a:xfrm>
+            <a:off x="3561513" y="2582703"/>
+            <a:ext cx="9252788" cy="1384995"/>
+          </a:xfrm>
+          <a:prstGeom prst="rect">
+            <a:avLst/>
+          </a:prstGeom>
+          <a:noFill/>
+        </p:spPr>
+        <p:txBody>
+          <a:bodyPr wrap="square" rtlCol="0">
+            <a:spAutoFit/>
+          </a:bodyPr>
+          <a:lstStyle/>
+          <a:p>
+            <a:pPr algn="ctr"/>
+            <a:r>
+              <a:rPr lang="ko-KR" altLang="en-US" sz="2800">
+                <a:latin typeface="타이포_쌍문동 B" panose="02020803020101020101" pitchFamily="18" charset="-127"/>
+                <a:ea typeface="타이포_쌍문동 B" panose="02020803020101020101" pitchFamily="18" charset="-127"/>
+              </a:rPr>
+              <a:t>간단한 그림으로 </a:t>
+            </a:r>
+            <a:r>
+              <a:rPr lang="en-US" altLang="ko-KR" sz="2800">
+                <a:solidFill>
+                  <a:srgbClr val="C00000"/>
+                </a:solidFill>
+                <a:latin typeface="타이포_쌍문동 B" panose="02020803020101020101" pitchFamily="18" charset="-127"/>
+                <a:ea typeface="타이포_쌍문동 B" panose="02020803020101020101" pitchFamily="18" charset="-127"/>
+              </a:rPr>
+              <a:t>CRP </a:t>
+            </a:r>
+            <a:r>
+              <a:rPr lang="ko-KR" altLang="en-US" sz="2800">
+                <a:solidFill>
+                  <a:srgbClr val="C00000"/>
+                </a:solidFill>
+                <a:latin typeface="타이포_쌍문동 B" panose="02020803020101020101" pitchFamily="18" charset="-127"/>
+                <a:ea typeface="타이포_쌍문동 B" panose="02020803020101020101" pitchFamily="18" charset="-127"/>
+              </a:rPr>
+              <a:t>순서</a:t>
+            </a:r>
+            <a:r>
+              <a:rPr lang="ko-KR" altLang="en-US" sz="2800">
+                <a:latin typeface="타이포_쌍문동 B" panose="02020803020101020101" pitchFamily="18" charset="-127"/>
+                <a:ea typeface="타이포_쌍문동 B" panose="02020803020101020101" pitchFamily="18" charset="-127"/>
+              </a:rPr>
+              <a:t> 표시</a:t>
+            </a:r>
+            <a:endParaRPr lang="en-US" altLang="ko-KR" sz="2800">
+              <a:latin typeface="타이포_쌍문동 B" panose="02020803020101020101" pitchFamily="18" charset="-127"/>
+              <a:ea typeface="타이포_쌍문동 B" panose="02020803020101020101" pitchFamily="18" charset="-127"/>
+            </a:endParaRPr>
+          </a:p>
+          <a:p>
+            <a:pPr algn="ctr"/>
+            <a:endParaRPr lang="en-US" altLang="ko-KR" sz="2800">
+              <a:latin typeface="타이포_쌍문동 B" panose="02020803020101020101" pitchFamily="18" charset="-127"/>
+              <a:ea typeface="타이포_쌍문동 B" panose="02020803020101020101" pitchFamily="18" charset="-127"/>
+            </a:endParaRPr>
+          </a:p>
+          <a:p>
+            <a:pPr algn="ctr"/>
+            <a:r>
+              <a:rPr lang="ko-KR" altLang="en-US" sz="2800">
+                <a:solidFill>
+                  <a:srgbClr val="C00000"/>
+                </a:solidFill>
+                <a:latin typeface="타이포_쌍문동 B" panose="02020803020101020101" pitchFamily="18" charset="-127"/>
+                <a:ea typeface="타이포_쌍문동 B" panose="02020803020101020101" pitchFamily="18" charset="-127"/>
+              </a:rPr>
+              <a:t>연령에 따라</a:t>
+            </a:r>
+            <a:r>
+              <a:rPr lang="ko-KR" altLang="en-US" sz="2800">
+                <a:latin typeface="타이포_쌍문동 B" panose="02020803020101020101" pitchFamily="18" charset="-127"/>
+                <a:ea typeface="타이포_쌍문동 B" panose="02020803020101020101" pitchFamily="18" charset="-127"/>
+              </a:rPr>
+              <a:t> 다른 </a:t>
+            </a:r>
+            <a:r>
+              <a:rPr lang="en-US" altLang="ko-KR" sz="2800">
+                <a:latin typeface="타이포_쌍문동 B" panose="02020803020101020101" pitchFamily="18" charset="-127"/>
+                <a:ea typeface="타이포_쌍문동 B" panose="02020803020101020101" pitchFamily="18" charset="-127"/>
+              </a:rPr>
+              <a:t>CPR </a:t>
+            </a:r>
+            <a:r>
+              <a:rPr lang="ko-KR" altLang="en-US" sz="2800">
+                <a:latin typeface="타이포_쌍문동 B" panose="02020803020101020101" pitchFamily="18" charset="-127"/>
+                <a:ea typeface="타이포_쌍문동 B" panose="02020803020101020101" pitchFamily="18" charset="-127"/>
+              </a:rPr>
+              <a:t>방법</a:t>
+            </a:r>
+          </a:p>
+        </p:txBody>
+      </p:sp>
+      <p:grpSp>
+        <p:nvGrpSpPr>
+          <p:cNvPr id="11" name="그룹 10">
+            <a:extLst>
+              <a:ext uri="{FF2B5EF4-FFF2-40B4-BE49-F238E27FC236}">
+                <a16:creationId xmlns:a16="http://schemas.microsoft.com/office/drawing/2014/main" id="{F26DBEAC-EC1E-4F8E-99D9-45EF9E36FC0A}"/>
+              </a:ext>
+            </a:extLst>
+          </p:cNvPr>
+          <p:cNvGrpSpPr/>
+          <p:nvPr/>
+        </p:nvGrpSpPr>
+        <p:grpSpPr>
+          <a:xfrm>
+            <a:off x="1804382" y="768096"/>
+            <a:ext cx="2450569" cy="5321808"/>
+            <a:chOff x="1806634" y="767709"/>
+            <a:chExt cx="2450569" cy="5321808"/>
+          </a:xfrm>
+        </p:grpSpPr>
+        <p:pic>
+          <p:nvPicPr>
+            <p:cNvPr id="5" name="그림 4" descr="스크린샷이(가) 표시된 사진&#10;&#10;자동 생성된 설명">
+              <a:extLst>
+                <a:ext uri="{FF2B5EF4-FFF2-40B4-BE49-F238E27FC236}">
+                  <a16:creationId xmlns:a16="http://schemas.microsoft.com/office/drawing/2014/main" id="{F840FB86-4A4A-4345-B16F-CD4E1F1C8C5C}"/>
+                </a:ext>
+              </a:extLst>
+            </p:cNvPr>
+            <p:cNvPicPr>
+              <a:picLocks noChangeAspect="1"/>
+            </p:cNvPicPr>
+            <p:nvPr/>
+          </p:nvPicPr>
+          <p:blipFill>
+            <a:blip r:embed="rId2"/>
+            <a:stretch>
+              <a:fillRect/>
+            </a:stretch>
+          </p:blipFill>
+          <p:spPr>
+            <a:xfrm>
+              <a:off x="1984022" y="1151820"/>
+              <a:ext cx="2095792" cy="2276793"/>
+            </a:xfrm>
+            <a:prstGeom prst="rect">
+              <a:avLst/>
+            </a:prstGeom>
+          </p:spPr>
+        </p:pic>
+        <p:pic>
+          <p:nvPicPr>
+            <p:cNvPr id="7" name="그림 6" descr="스크린샷이(가) 표시된 사진&#10;&#10;자동 생성된 설명">
+              <a:extLst>
+                <a:ext uri="{FF2B5EF4-FFF2-40B4-BE49-F238E27FC236}">
+                  <a16:creationId xmlns:a16="http://schemas.microsoft.com/office/drawing/2014/main" id="{E58445D9-46A5-4BE5-B3AE-99687B207339}"/>
+                </a:ext>
+              </a:extLst>
+            </p:cNvPr>
+            <p:cNvPicPr>
+              <a:picLocks noChangeAspect="1"/>
+            </p:cNvPicPr>
+            <p:nvPr/>
+          </p:nvPicPr>
+          <p:blipFill>
+            <a:blip r:embed="rId3"/>
+            <a:stretch>
+              <a:fillRect/>
+            </a:stretch>
+          </p:blipFill>
+          <p:spPr>
+            <a:xfrm>
+              <a:off x="1984022" y="3552878"/>
+              <a:ext cx="2095792" cy="2267266"/>
+            </a:xfrm>
+            <a:prstGeom prst="rect">
+              <a:avLst/>
+            </a:prstGeom>
+          </p:spPr>
+        </p:pic>
+        <p:pic>
+          <p:nvPicPr>
+            <p:cNvPr id="23" name="그림 22">
+              <a:extLst>
+                <a:ext uri="{FF2B5EF4-FFF2-40B4-BE49-F238E27FC236}">
+                  <a16:creationId xmlns:a16="http://schemas.microsoft.com/office/drawing/2014/main" id="{A5BFD979-B2AF-4381-9AB5-F915A16BD07F}"/>
+                </a:ext>
+              </a:extLst>
+            </p:cNvPr>
+            <p:cNvPicPr>
+              <a:picLocks noChangeAspect="1"/>
+            </p:cNvPicPr>
+            <p:nvPr/>
+          </p:nvPicPr>
+          <p:blipFill>
+            <a:blip r:embed="rId4"/>
+            <a:stretch>
+              <a:fillRect/>
+            </a:stretch>
+          </p:blipFill>
+          <p:spPr>
+            <a:xfrm>
+              <a:off x="1806634" y="767709"/>
+              <a:ext cx="2450569" cy="5321808"/>
+            </a:xfrm>
+            <a:prstGeom prst="rect">
+              <a:avLst/>
+            </a:prstGeom>
+          </p:spPr>
+        </p:pic>
+      </p:grpSp>
+    </p:spTree>
+    <p:extLst>
+      <p:ext uri="{BB962C8B-B14F-4D97-AF65-F5344CB8AC3E}">
+        <p14:creationId xmlns:p14="http://schemas.microsoft.com/office/powerpoint/2010/main" val="3391778658"/>
       </p:ext>
     </p:extLst>
   </p:cSld>
@@ -15280,6 +15881,1077 @@
     <p:extLst>
       <p:ext uri="{BB962C8B-B14F-4D97-AF65-F5344CB8AC3E}">
         <p14:creationId xmlns:p14="http://schemas.microsoft.com/office/powerpoint/2010/main" val="2025786228"/>
+      </p:ext>
+    </p:extLst>
+  </p:cSld>
+  <p:clrMapOvr>
+    <a:masterClrMapping/>
+  </p:clrMapOvr>
+</p:sld>
+</file>
+
+<file path=ppt/slides/slide30.xml><?xml version="1.0" encoding="utf-8"?>
+<p:sld xmlns:a="http://schemas.openxmlformats.org/drawingml/2006/main" xmlns:r="http://schemas.openxmlformats.org/officeDocument/2006/relationships" xmlns:p="http://schemas.openxmlformats.org/presentationml/2006/main">
+  <p:cSld>
+    <p:spTree>
+      <p:nvGrpSpPr>
+        <p:cNvPr id="1" name=""/>
+        <p:cNvGrpSpPr/>
+        <p:nvPr/>
+      </p:nvGrpSpPr>
+      <p:grpSpPr>
+        <a:xfrm>
+          <a:off x="0" y="0"/>
+          <a:ext cx="0" cy="0"/>
+          <a:chOff x="0" y="0"/>
+          <a:chExt cx="0" cy="0"/>
+        </a:xfrm>
+      </p:grpSpPr>
+      <p:pic>
+        <p:nvPicPr>
+          <p:cNvPr id="10" name="그림 9" descr="텍스트이(가) 표시된 사진&#10;&#10;자동 생성된 설명">
+            <a:extLst>
+              <a:ext uri="{FF2B5EF4-FFF2-40B4-BE49-F238E27FC236}">
+                <a16:creationId xmlns:a16="http://schemas.microsoft.com/office/drawing/2014/main" id="{E6F2B3B6-74EA-41F1-AEB6-A756E6C7FAE8}"/>
+              </a:ext>
+            </a:extLst>
+          </p:cNvPr>
+          <p:cNvPicPr>
+            <a:picLocks noChangeAspect="1"/>
+          </p:cNvPicPr>
+          <p:nvPr/>
+        </p:nvPicPr>
+        <p:blipFill>
+          <a:blip r:embed="rId2"/>
+          <a:stretch>
+            <a:fillRect/>
+          </a:stretch>
+        </p:blipFill>
+        <p:spPr>
+          <a:xfrm>
+            <a:off x="1970575" y="3131541"/>
+            <a:ext cx="2124371" cy="2276793"/>
+          </a:xfrm>
+          <a:prstGeom prst="rect">
+            <a:avLst/>
+          </a:prstGeom>
+        </p:spPr>
+      </p:pic>
+      <p:pic>
+        <p:nvPicPr>
+          <p:cNvPr id="7" name="그림 6" descr="스크린샷이(가) 표시된 사진&#10;&#10;자동 생성된 설명">
+            <a:extLst>
+              <a:ext uri="{FF2B5EF4-FFF2-40B4-BE49-F238E27FC236}">
+                <a16:creationId xmlns:a16="http://schemas.microsoft.com/office/drawing/2014/main" id="{E58445D9-46A5-4BE5-B3AE-99687B207339}"/>
+              </a:ext>
+            </a:extLst>
+          </p:cNvPr>
+          <p:cNvPicPr>
+            <a:picLocks noChangeAspect="1"/>
+          </p:cNvPicPr>
+          <p:nvPr/>
+        </p:nvPicPr>
+        <p:blipFill>
+          <a:blip r:embed="rId3"/>
+          <a:stretch>
+            <a:fillRect/>
+          </a:stretch>
+        </p:blipFill>
+        <p:spPr>
+          <a:xfrm>
+            <a:off x="1974151" y="768096"/>
+            <a:ext cx="2095792" cy="2267266"/>
+          </a:xfrm>
+          <a:prstGeom prst="rect">
+            <a:avLst/>
+          </a:prstGeom>
+        </p:spPr>
+      </p:pic>
+      <p:sp>
+        <p:nvSpPr>
+          <p:cNvPr id="18" name="TextBox 17">
+            <a:extLst>
+              <a:ext uri="{FF2B5EF4-FFF2-40B4-BE49-F238E27FC236}">
+                <a16:creationId xmlns:a16="http://schemas.microsoft.com/office/drawing/2014/main" id="{8C6016B3-3348-4F28-B022-4DA93FE61276}"/>
+              </a:ext>
+            </a:extLst>
+          </p:cNvPr>
+          <p:cNvSpPr txBox="1"/>
+          <p:nvPr/>
+        </p:nvSpPr>
+        <p:spPr>
+          <a:xfrm>
+            <a:off x="11360888" y="6436850"/>
+            <a:ext cx="521298" cy="369332"/>
+          </a:xfrm>
+          <a:prstGeom prst="rect">
+            <a:avLst/>
+          </a:prstGeom>
+          <a:noFill/>
+        </p:spPr>
+        <p:txBody>
+          <a:bodyPr wrap="none" rtlCol="0">
+            <a:spAutoFit/>
+          </a:bodyPr>
+          <a:lstStyle/>
+          <a:p>
+            <a:pPr algn="r"/>
+            <a:r>
+              <a:rPr lang="en-US" altLang="ko-KR">
+                <a:solidFill>
+                  <a:schemeClr val="tx1">
+                    <a:lumMod val="65000"/>
+                    <a:lumOff val="35000"/>
+                  </a:schemeClr>
+                </a:solidFill>
+                <a:latin typeface="타이포_쌍문동 B" panose="02020803020101020101" pitchFamily="18" charset="-127"/>
+                <a:ea typeface="타이포_쌍문동 B" panose="02020803020101020101" pitchFamily="18" charset="-127"/>
+              </a:rPr>
+              <a:t>30</a:t>
+            </a:r>
+            <a:endParaRPr lang="ko-KR" altLang="en-US">
+              <a:solidFill>
+                <a:schemeClr val="tx1">
+                  <a:lumMod val="65000"/>
+                  <a:lumOff val="35000"/>
+                </a:schemeClr>
+              </a:solidFill>
+              <a:latin typeface="타이포_쌍문동 B" panose="02020803020101020101" pitchFamily="18" charset="-127"/>
+              <a:ea typeface="타이포_쌍문동 B" panose="02020803020101020101" pitchFamily="18" charset="-127"/>
+            </a:endParaRPr>
+          </a:p>
+        </p:txBody>
+      </p:sp>
+      <p:sp>
+        <p:nvSpPr>
+          <p:cNvPr id="21" name="제목 1">
+            <a:extLst>
+              <a:ext uri="{FF2B5EF4-FFF2-40B4-BE49-F238E27FC236}">
+                <a16:creationId xmlns:a16="http://schemas.microsoft.com/office/drawing/2014/main" id="{978518E1-7305-464D-9FCD-01D3288C4BA9}"/>
+              </a:ext>
+            </a:extLst>
+          </p:cNvPr>
+          <p:cNvSpPr>
+            <a:spLocks noGrp="1"/>
+          </p:cNvSpPr>
+          <p:nvPr>
+            <p:ph type="title"/>
+          </p:nvPr>
+        </p:nvSpPr>
+        <p:spPr>
+          <a:xfrm>
+            <a:off x="3022047" y="251686"/>
+            <a:ext cx="10331721" cy="2206752"/>
+          </a:xfrm>
+          <a:ln>
+            <a:noFill/>
+          </a:ln>
+        </p:spPr>
+        <p:txBody>
+          <a:bodyPr anchor="ctr">
+            <a:normAutofit/>
+          </a:bodyPr>
+          <a:lstStyle/>
+          <a:p>
+            <a:pPr algn="ctr">
+              <a:lnSpc>
+                <a:spcPct val="100000"/>
+              </a:lnSpc>
+            </a:pPr>
+            <a:r>
+              <a:rPr lang="en-US" altLang="ko-KR" sz="5400">
+                <a:solidFill>
+                  <a:schemeClr val="tx1"/>
+                </a:solidFill>
+                <a:latin typeface="타이포_쌍문동 B" panose="02020803020101020101" pitchFamily="18" charset="-127"/>
+                <a:ea typeface="타이포_쌍문동 B" panose="02020803020101020101" pitchFamily="18" charset="-127"/>
+              </a:rPr>
+              <a:t>CRP</a:t>
+            </a:r>
+            <a:r>
+              <a:rPr lang="ko-KR" altLang="en-US" sz="5400">
+                <a:solidFill>
+                  <a:schemeClr val="tx1"/>
+                </a:solidFill>
+                <a:latin typeface="타이포_쌍문동 B" panose="02020803020101020101" pitchFamily="18" charset="-127"/>
+                <a:ea typeface="타이포_쌍문동 B" panose="02020803020101020101" pitchFamily="18" charset="-127"/>
+              </a:rPr>
+              <a:t> 순서 </a:t>
+            </a:r>
+            <a:r>
+              <a:rPr lang="en-US" altLang="ko-KR" sz="5400">
+                <a:solidFill>
+                  <a:schemeClr val="tx1"/>
+                </a:solidFill>
+                <a:latin typeface="타이포_쌍문동 B" panose="02020803020101020101" pitchFamily="18" charset="-127"/>
+                <a:ea typeface="타이포_쌍문동 B" panose="02020803020101020101" pitchFamily="18" charset="-127"/>
+              </a:rPr>
+              <a:t>UI</a:t>
+            </a:r>
+            <a:endParaRPr lang="ko-KR" altLang="en-US" sz="5400">
+              <a:solidFill>
+                <a:schemeClr val="tx1"/>
+              </a:solidFill>
+              <a:latin typeface="타이포_쌍문동 B" panose="02020803020101020101" pitchFamily="18" charset="-127"/>
+              <a:ea typeface="타이포_쌍문동 B" panose="02020803020101020101" pitchFamily="18" charset="-127"/>
+            </a:endParaRPr>
+          </a:p>
+        </p:txBody>
+      </p:sp>
+      <p:sp>
+        <p:nvSpPr>
+          <p:cNvPr id="22" name="TextBox 21">
+            <a:extLst>
+              <a:ext uri="{FF2B5EF4-FFF2-40B4-BE49-F238E27FC236}">
+                <a16:creationId xmlns:a16="http://schemas.microsoft.com/office/drawing/2014/main" id="{20A443A2-F449-4E38-9AEE-B566DAF9F4C3}"/>
+              </a:ext>
+            </a:extLst>
+          </p:cNvPr>
+          <p:cNvSpPr txBox="1"/>
+          <p:nvPr/>
+        </p:nvSpPr>
+        <p:spPr>
+          <a:xfrm>
+            <a:off x="3561513" y="2585097"/>
+            <a:ext cx="9252788" cy="1384995"/>
+          </a:xfrm>
+          <a:prstGeom prst="rect">
+            <a:avLst/>
+          </a:prstGeom>
+          <a:noFill/>
+        </p:spPr>
+        <p:txBody>
+          <a:bodyPr wrap="square" rtlCol="0">
+            <a:spAutoFit/>
+          </a:bodyPr>
+          <a:lstStyle/>
+          <a:p>
+            <a:pPr algn="ctr"/>
+            <a:r>
+              <a:rPr lang="ko-KR" altLang="en-US" sz="2800">
+                <a:latin typeface="타이포_쌍문동 B" panose="02020803020101020101" pitchFamily="18" charset="-127"/>
+                <a:ea typeface="타이포_쌍문동 B" panose="02020803020101020101" pitchFamily="18" charset="-127"/>
+              </a:rPr>
+              <a:t>간단한 그림으로 </a:t>
+            </a:r>
+            <a:r>
+              <a:rPr lang="en-US" altLang="ko-KR" sz="2800">
+                <a:solidFill>
+                  <a:srgbClr val="C00000"/>
+                </a:solidFill>
+                <a:latin typeface="타이포_쌍문동 B" panose="02020803020101020101" pitchFamily="18" charset="-127"/>
+                <a:ea typeface="타이포_쌍문동 B" panose="02020803020101020101" pitchFamily="18" charset="-127"/>
+              </a:rPr>
+              <a:t>CRP </a:t>
+            </a:r>
+            <a:r>
+              <a:rPr lang="ko-KR" altLang="en-US" sz="2800">
+                <a:solidFill>
+                  <a:srgbClr val="C00000"/>
+                </a:solidFill>
+                <a:latin typeface="타이포_쌍문동 B" panose="02020803020101020101" pitchFamily="18" charset="-127"/>
+                <a:ea typeface="타이포_쌍문동 B" panose="02020803020101020101" pitchFamily="18" charset="-127"/>
+              </a:rPr>
+              <a:t>순서</a:t>
+            </a:r>
+            <a:r>
+              <a:rPr lang="ko-KR" altLang="en-US" sz="2800">
+                <a:latin typeface="타이포_쌍문동 B" panose="02020803020101020101" pitchFamily="18" charset="-127"/>
+                <a:ea typeface="타이포_쌍문동 B" panose="02020803020101020101" pitchFamily="18" charset="-127"/>
+              </a:rPr>
+              <a:t> 표시</a:t>
+            </a:r>
+            <a:endParaRPr lang="en-US" altLang="ko-KR" sz="2800">
+              <a:latin typeface="타이포_쌍문동 B" panose="02020803020101020101" pitchFamily="18" charset="-127"/>
+              <a:ea typeface="타이포_쌍문동 B" panose="02020803020101020101" pitchFamily="18" charset="-127"/>
+            </a:endParaRPr>
+          </a:p>
+          <a:p>
+            <a:pPr algn="ctr"/>
+            <a:endParaRPr lang="en-US" altLang="ko-KR" sz="2800">
+              <a:latin typeface="타이포_쌍문동 B" panose="02020803020101020101" pitchFamily="18" charset="-127"/>
+              <a:ea typeface="타이포_쌍문동 B" panose="02020803020101020101" pitchFamily="18" charset="-127"/>
+            </a:endParaRPr>
+          </a:p>
+          <a:p>
+            <a:pPr algn="ctr"/>
+            <a:r>
+              <a:rPr lang="ko-KR" altLang="en-US" sz="2800">
+                <a:solidFill>
+                  <a:srgbClr val="C00000"/>
+                </a:solidFill>
+                <a:latin typeface="타이포_쌍문동 B" panose="02020803020101020101" pitchFamily="18" charset="-127"/>
+                <a:ea typeface="타이포_쌍문동 B" panose="02020803020101020101" pitchFamily="18" charset="-127"/>
+              </a:rPr>
+              <a:t>연령에 따라</a:t>
+            </a:r>
+            <a:r>
+              <a:rPr lang="ko-KR" altLang="en-US" sz="2800">
+                <a:latin typeface="타이포_쌍문동 B" panose="02020803020101020101" pitchFamily="18" charset="-127"/>
+                <a:ea typeface="타이포_쌍문동 B" panose="02020803020101020101" pitchFamily="18" charset="-127"/>
+              </a:rPr>
+              <a:t> 다른 </a:t>
+            </a:r>
+            <a:r>
+              <a:rPr lang="en-US" altLang="ko-KR" sz="2800">
+                <a:latin typeface="타이포_쌍문동 B" panose="02020803020101020101" pitchFamily="18" charset="-127"/>
+                <a:ea typeface="타이포_쌍문동 B" panose="02020803020101020101" pitchFamily="18" charset="-127"/>
+              </a:rPr>
+              <a:t>CPR </a:t>
+            </a:r>
+            <a:r>
+              <a:rPr lang="ko-KR" altLang="en-US" sz="2800">
+                <a:latin typeface="타이포_쌍문동 B" panose="02020803020101020101" pitchFamily="18" charset="-127"/>
+                <a:ea typeface="타이포_쌍문동 B" panose="02020803020101020101" pitchFamily="18" charset="-127"/>
+              </a:rPr>
+              <a:t>방법</a:t>
+            </a:r>
+          </a:p>
+        </p:txBody>
+      </p:sp>
+      <p:pic>
+        <p:nvPicPr>
+          <p:cNvPr id="23" name="그림 22">
+            <a:extLst>
+              <a:ext uri="{FF2B5EF4-FFF2-40B4-BE49-F238E27FC236}">
+                <a16:creationId xmlns:a16="http://schemas.microsoft.com/office/drawing/2014/main" id="{A5BFD979-B2AF-4381-9AB5-F915A16BD07F}"/>
+              </a:ext>
+            </a:extLst>
+          </p:cNvPr>
+          <p:cNvPicPr>
+            <a:picLocks noChangeAspect="1"/>
+          </p:cNvPicPr>
+          <p:nvPr/>
+        </p:nvPicPr>
+        <p:blipFill>
+          <a:blip r:embed="rId4"/>
+          <a:stretch>
+            <a:fillRect/>
+          </a:stretch>
+        </p:blipFill>
+        <p:spPr>
+          <a:xfrm>
+            <a:off x="1804382" y="768096"/>
+            <a:ext cx="2450569" cy="5321808"/>
+          </a:xfrm>
+          <a:prstGeom prst="rect">
+            <a:avLst/>
+          </a:prstGeom>
+        </p:spPr>
+      </p:pic>
+    </p:spTree>
+    <p:extLst>
+      <p:ext uri="{BB962C8B-B14F-4D97-AF65-F5344CB8AC3E}">
+        <p14:creationId xmlns:p14="http://schemas.microsoft.com/office/powerpoint/2010/main" val="1951791327"/>
+      </p:ext>
+    </p:extLst>
+  </p:cSld>
+  <p:clrMapOvr>
+    <a:masterClrMapping/>
+  </p:clrMapOvr>
+</p:sld>
+</file>
+
+<file path=ppt/slides/slide31.xml><?xml version="1.0" encoding="utf-8"?>
+<p:sld xmlns:a="http://schemas.openxmlformats.org/drawingml/2006/main" xmlns:r="http://schemas.openxmlformats.org/officeDocument/2006/relationships" xmlns:p="http://schemas.openxmlformats.org/presentationml/2006/main">
+  <p:cSld>
+    <p:spTree>
+      <p:nvGrpSpPr>
+        <p:cNvPr id="1" name=""/>
+        <p:cNvGrpSpPr/>
+        <p:nvPr/>
+      </p:nvGrpSpPr>
+      <p:grpSpPr>
+        <a:xfrm>
+          <a:off x="0" y="0"/>
+          <a:ext cx="0" cy="0"/>
+          <a:chOff x="0" y="0"/>
+          <a:chExt cx="0" cy="0"/>
+        </a:xfrm>
+      </p:grpSpPr>
+      <p:pic>
+        <p:nvPicPr>
+          <p:cNvPr id="10" name="그림 9" descr="텍스트이(가) 표시된 사진&#10;&#10;자동 생성된 설명">
+            <a:extLst>
+              <a:ext uri="{FF2B5EF4-FFF2-40B4-BE49-F238E27FC236}">
+                <a16:creationId xmlns:a16="http://schemas.microsoft.com/office/drawing/2014/main" id="{E6F2B3B6-74EA-41F1-AEB6-A756E6C7FAE8}"/>
+              </a:ext>
+            </a:extLst>
+          </p:cNvPr>
+          <p:cNvPicPr>
+            <a:picLocks noChangeAspect="1"/>
+          </p:cNvPicPr>
+          <p:nvPr/>
+        </p:nvPicPr>
+        <p:blipFill>
+          <a:blip r:embed="rId2"/>
+          <a:stretch>
+            <a:fillRect/>
+          </a:stretch>
+        </p:blipFill>
+        <p:spPr>
+          <a:xfrm>
+            <a:off x="1970575" y="3131541"/>
+            <a:ext cx="2124371" cy="2276793"/>
+          </a:xfrm>
+          <a:prstGeom prst="rect">
+            <a:avLst/>
+          </a:prstGeom>
+        </p:spPr>
+      </p:pic>
+      <p:pic>
+        <p:nvPicPr>
+          <p:cNvPr id="7" name="그림 6" descr="스크린샷이(가) 표시된 사진&#10;&#10;자동 생성된 설명">
+            <a:extLst>
+              <a:ext uri="{FF2B5EF4-FFF2-40B4-BE49-F238E27FC236}">
+                <a16:creationId xmlns:a16="http://schemas.microsoft.com/office/drawing/2014/main" id="{E58445D9-46A5-4BE5-B3AE-99687B207339}"/>
+              </a:ext>
+            </a:extLst>
+          </p:cNvPr>
+          <p:cNvPicPr>
+            <a:picLocks noChangeAspect="1"/>
+          </p:cNvPicPr>
+          <p:nvPr/>
+        </p:nvPicPr>
+        <p:blipFill>
+          <a:blip r:embed="rId3"/>
+          <a:stretch>
+            <a:fillRect/>
+          </a:stretch>
+        </p:blipFill>
+        <p:spPr>
+          <a:xfrm>
+            <a:off x="1974151" y="768096"/>
+            <a:ext cx="2095792" cy="2267266"/>
+          </a:xfrm>
+          <a:prstGeom prst="rect">
+            <a:avLst/>
+          </a:prstGeom>
+        </p:spPr>
+      </p:pic>
+      <p:sp>
+        <p:nvSpPr>
+          <p:cNvPr id="18" name="TextBox 17">
+            <a:extLst>
+              <a:ext uri="{FF2B5EF4-FFF2-40B4-BE49-F238E27FC236}">
+                <a16:creationId xmlns:a16="http://schemas.microsoft.com/office/drawing/2014/main" id="{8C6016B3-3348-4F28-B022-4DA93FE61276}"/>
+              </a:ext>
+            </a:extLst>
+          </p:cNvPr>
+          <p:cNvSpPr txBox="1"/>
+          <p:nvPr/>
+        </p:nvSpPr>
+        <p:spPr>
+          <a:xfrm>
+            <a:off x="11360888" y="6436850"/>
+            <a:ext cx="521298" cy="369332"/>
+          </a:xfrm>
+          <a:prstGeom prst="rect">
+            <a:avLst/>
+          </a:prstGeom>
+          <a:noFill/>
+        </p:spPr>
+        <p:txBody>
+          <a:bodyPr wrap="none" rtlCol="0">
+            <a:spAutoFit/>
+          </a:bodyPr>
+          <a:lstStyle/>
+          <a:p>
+            <a:pPr algn="r"/>
+            <a:r>
+              <a:rPr lang="en-US" altLang="ko-KR">
+                <a:solidFill>
+                  <a:schemeClr val="tx1">
+                    <a:lumMod val="65000"/>
+                    <a:lumOff val="35000"/>
+                  </a:schemeClr>
+                </a:solidFill>
+                <a:latin typeface="타이포_쌍문동 B" panose="02020803020101020101" pitchFamily="18" charset="-127"/>
+                <a:ea typeface="타이포_쌍문동 B" panose="02020803020101020101" pitchFamily="18" charset="-127"/>
+              </a:rPr>
+              <a:t>31</a:t>
+            </a:r>
+            <a:endParaRPr lang="ko-KR" altLang="en-US">
+              <a:solidFill>
+                <a:schemeClr val="tx1">
+                  <a:lumMod val="65000"/>
+                  <a:lumOff val="35000"/>
+                </a:schemeClr>
+              </a:solidFill>
+              <a:latin typeface="타이포_쌍문동 B" panose="02020803020101020101" pitchFamily="18" charset="-127"/>
+              <a:ea typeface="타이포_쌍문동 B" panose="02020803020101020101" pitchFamily="18" charset="-127"/>
+            </a:endParaRPr>
+          </a:p>
+        </p:txBody>
+      </p:sp>
+      <p:sp>
+        <p:nvSpPr>
+          <p:cNvPr id="21" name="제목 1">
+            <a:extLst>
+              <a:ext uri="{FF2B5EF4-FFF2-40B4-BE49-F238E27FC236}">
+                <a16:creationId xmlns:a16="http://schemas.microsoft.com/office/drawing/2014/main" id="{978518E1-7305-464D-9FCD-01D3288C4BA9}"/>
+              </a:ext>
+            </a:extLst>
+          </p:cNvPr>
+          <p:cNvSpPr>
+            <a:spLocks noGrp="1"/>
+          </p:cNvSpPr>
+          <p:nvPr>
+            <p:ph type="title"/>
+          </p:nvPr>
+        </p:nvSpPr>
+        <p:spPr>
+          <a:xfrm>
+            <a:off x="3022047" y="251686"/>
+            <a:ext cx="10331721" cy="2206752"/>
+          </a:xfrm>
+          <a:ln>
+            <a:noFill/>
+          </a:ln>
+        </p:spPr>
+        <p:txBody>
+          <a:bodyPr anchor="ctr">
+            <a:normAutofit/>
+          </a:bodyPr>
+          <a:lstStyle/>
+          <a:p>
+            <a:pPr algn="ctr">
+              <a:lnSpc>
+                <a:spcPct val="100000"/>
+              </a:lnSpc>
+            </a:pPr>
+            <a:r>
+              <a:rPr lang="ko-KR" altLang="en-US" sz="5400">
+                <a:solidFill>
+                  <a:schemeClr val="tx1"/>
+                </a:solidFill>
+                <a:latin typeface="타이포_쌍문동 B" panose="02020803020101020101" pitchFamily="18" charset="-127"/>
+                <a:ea typeface="타이포_쌍문동 B" panose="02020803020101020101" pitchFamily="18" charset="-127"/>
+              </a:rPr>
+              <a:t>자동 도움 요청 기능</a:t>
+            </a:r>
+          </a:p>
+        </p:txBody>
+      </p:sp>
+      <p:sp>
+        <p:nvSpPr>
+          <p:cNvPr id="22" name="TextBox 21">
+            <a:extLst>
+              <a:ext uri="{FF2B5EF4-FFF2-40B4-BE49-F238E27FC236}">
+                <a16:creationId xmlns:a16="http://schemas.microsoft.com/office/drawing/2014/main" id="{20A443A2-F449-4E38-9AEE-B566DAF9F4C3}"/>
+              </a:ext>
+            </a:extLst>
+          </p:cNvPr>
+          <p:cNvSpPr txBox="1"/>
+          <p:nvPr/>
+        </p:nvSpPr>
+        <p:spPr>
+          <a:xfrm>
+            <a:off x="3561513" y="2585097"/>
+            <a:ext cx="9252788" cy="2246769"/>
+          </a:xfrm>
+          <a:prstGeom prst="rect">
+            <a:avLst/>
+          </a:prstGeom>
+          <a:noFill/>
+        </p:spPr>
+        <p:txBody>
+          <a:bodyPr wrap="square" rtlCol="0">
+            <a:spAutoFit/>
+          </a:bodyPr>
+          <a:lstStyle/>
+          <a:p>
+            <a:pPr algn="ctr"/>
+            <a:r>
+              <a:rPr lang="ko-KR" altLang="en-US" sz="2800">
+                <a:solidFill>
+                  <a:srgbClr val="C00000"/>
+                </a:solidFill>
+                <a:latin typeface="타이포_쌍문동 B" panose="02020803020101020101" pitchFamily="18" charset="-127"/>
+                <a:ea typeface="타이포_쌍문동 B" panose="02020803020101020101" pitchFamily="18" charset="-127"/>
+              </a:rPr>
+              <a:t>신고 버튼 터치</a:t>
+            </a:r>
+            <a:r>
+              <a:rPr lang="ko-KR" altLang="en-US" sz="2800">
+                <a:latin typeface="타이포_쌍문동 B" panose="02020803020101020101" pitchFamily="18" charset="-127"/>
+                <a:ea typeface="타이포_쌍문동 B" panose="02020803020101020101" pitchFamily="18" charset="-127"/>
+              </a:rPr>
+              <a:t> 시</a:t>
+            </a:r>
+            <a:endParaRPr lang="en-US" altLang="ko-KR" sz="2800">
+              <a:latin typeface="타이포_쌍문동 B" panose="02020803020101020101" pitchFamily="18" charset="-127"/>
+              <a:ea typeface="타이포_쌍문동 B" panose="02020803020101020101" pitchFamily="18" charset="-127"/>
+            </a:endParaRPr>
+          </a:p>
+          <a:p>
+            <a:pPr algn="ctr"/>
+            <a:endParaRPr lang="en-US" altLang="ko-KR" sz="2800">
+              <a:latin typeface="타이포_쌍문동 B" panose="02020803020101020101" pitchFamily="18" charset="-127"/>
+              <a:ea typeface="타이포_쌍문동 B" panose="02020803020101020101" pitchFamily="18" charset="-127"/>
+            </a:endParaRPr>
+          </a:p>
+          <a:p>
+            <a:pPr algn="ctr"/>
+            <a:r>
+              <a:rPr lang="ko-KR" altLang="en-US" sz="2800">
+                <a:latin typeface="타이포_쌍문동 B" panose="02020803020101020101" pitchFamily="18" charset="-127"/>
+                <a:ea typeface="타이포_쌍문동 B" panose="02020803020101020101" pitchFamily="18" charset="-127"/>
+              </a:rPr>
+              <a:t>해당 어플을 설치한 사람들 중</a:t>
+            </a:r>
+            <a:endParaRPr lang="en-US" altLang="ko-KR" sz="2800">
+              <a:latin typeface="타이포_쌍문동 B" panose="02020803020101020101" pitchFamily="18" charset="-127"/>
+              <a:ea typeface="타이포_쌍문동 B" panose="02020803020101020101" pitchFamily="18" charset="-127"/>
+            </a:endParaRPr>
+          </a:p>
+          <a:p>
+            <a:pPr algn="ctr"/>
+            <a:endParaRPr lang="en-US" altLang="ko-KR" sz="2800">
+              <a:latin typeface="타이포_쌍문동 B" panose="02020803020101020101" pitchFamily="18" charset="-127"/>
+              <a:ea typeface="타이포_쌍문동 B" panose="02020803020101020101" pitchFamily="18" charset="-127"/>
+            </a:endParaRPr>
+          </a:p>
+          <a:p>
+            <a:pPr algn="ctr"/>
+            <a:r>
+              <a:rPr lang="ko-KR" altLang="en-US" sz="2800">
+                <a:solidFill>
+                  <a:srgbClr val="C00000"/>
+                </a:solidFill>
+                <a:latin typeface="타이포_쌍문동 B" panose="02020803020101020101" pitchFamily="18" charset="-127"/>
+                <a:ea typeface="타이포_쌍문동 B" panose="02020803020101020101" pitchFamily="18" charset="-127"/>
+              </a:rPr>
+              <a:t>주변에 위치한</a:t>
+            </a:r>
+            <a:r>
+              <a:rPr lang="ko-KR" altLang="en-US" sz="2800">
+                <a:latin typeface="타이포_쌍문동 B" panose="02020803020101020101" pitchFamily="18" charset="-127"/>
+                <a:ea typeface="타이포_쌍문동 B" panose="02020803020101020101" pitchFamily="18" charset="-127"/>
+              </a:rPr>
+              <a:t> 사람들에게 알람 전송</a:t>
+            </a:r>
+          </a:p>
+        </p:txBody>
+      </p:sp>
+      <p:pic>
+        <p:nvPicPr>
+          <p:cNvPr id="23" name="그림 22">
+            <a:extLst>
+              <a:ext uri="{FF2B5EF4-FFF2-40B4-BE49-F238E27FC236}">
+                <a16:creationId xmlns:a16="http://schemas.microsoft.com/office/drawing/2014/main" id="{A5BFD979-B2AF-4381-9AB5-F915A16BD07F}"/>
+              </a:ext>
+            </a:extLst>
+          </p:cNvPr>
+          <p:cNvPicPr>
+            <a:picLocks noChangeAspect="1"/>
+          </p:cNvPicPr>
+          <p:nvPr/>
+        </p:nvPicPr>
+        <p:blipFill>
+          <a:blip r:embed="rId4"/>
+          <a:stretch>
+            <a:fillRect/>
+          </a:stretch>
+        </p:blipFill>
+        <p:spPr>
+          <a:xfrm>
+            <a:off x="1804382" y="768096"/>
+            <a:ext cx="2450569" cy="5321808"/>
+          </a:xfrm>
+          <a:prstGeom prst="rect">
+            <a:avLst/>
+          </a:prstGeom>
+        </p:spPr>
+      </p:pic>
+      <p:pic>
+        <p:nvPicPr>
+          <p:cNvPr id="3" name="그림 2">
+            <a:extLst>
+              <a:ext uri="{FF2B5EF4-FFF2-40B4-BE49-F238E27FC236}">
+                <a16:creationId xmlns:a16="http://schemas.microsoft.com/office/drawing/2014/main" id="{E7E8AF0F-3527-4485-9FDB-ED0396CA6327}"/>
+              </a:ext>
+            </a:extLst>
+          </p:cNvPr>
+          <p:cNvPicPr>
+            <a:picLocks noChangeAspect="1"/>
+          </p:cNvPicPr>
+          <p:nvPr/>
+        </p:nvPicPr>
+        <p:blipFill>
+          <a:blip r:embed="rId5"/>
+          <a:stretch>
+            <a:fillRect/>
+          </a:stretch>
+        </p:blipFill>
+        <p:spPr>
+          <a:xfrm>
+            <a:off x="1804382" y="768096"/>
+            <a:ext cx="2450569" cy="5321808"/>
+          </a:xfrm>
+          <a:prstGeom prst="rect">
+            <a:avLst/>
+          </a:prstGeom>
+        </p:spPr>
+      </p:pic>
+      <p:sp>
+        <p:nvSpPr>
+          <p:cNvPr id="4" name="직사각형 3">
+            <a:extLst>
+              <a:ext uri="{FF2B5EF4-FFF2-40B4-BE49-F238E27FC236}">
+                <a16:creationId xmlns:a16="http://schemas.microsoft.com/office/drawing/2014/main" id="{A25B71E9-D8B8-4F55-B0AA-203A481FBA2E}"/>
+              </a:ext>
+            </a:extLst>
+          </p:cNvPr>
+          <p:cNvSpPr/>
+          <p:nvPr/>
+        </p:nvSpPr>
+        <p:spPr>
+          <a:xfrm>
+            <a:off x="1931195" y="1666875"/>
+            <a:ext cx="2202655" cy="495300"/>
+          </a:xfrm>
+          <a:prstGeom prst="rect">
+            <a:avLst/>
+          </a:prstGeom>
+          <a:solidFill>
+            <a:schemeClr val="bg1"/>
+          </a:solidFill>
+          <a:ln w="6350">
+            <a:solidFill>
+              <a:schemeClr val="bg1">
+                <a:lumMod val="75000"/>
+              </a:schemeClr>
+            </a:solidFill>
+          </a:ln>
+        </p:spPr>
+        <p:style>
+          <a:lnRef idx="2">
+            <a:schemeClr val="accent1">
+              <a:shade val="50000"/>
+            </a:schemeClr>
+          </a:lnRef>
+          <a:fillRef idx="1">
+            <a:schemeClr val="accent1"/>
+          </a:fillRef>
+          <a:effectRef idx="0">
+            <a:schemeClr val="accent1"/>
+          </a:effectRef>
+          <a:fontRef idx="minor">
+            <a:schemeClr val="lt1"/>
+          </a:fontRef>
+        </p:style>
+        <p:txBody>
+          <a:bodyPr rtlCol="0" anchor="ctr"/>
+          <a:lstStyle/>
+          <a:p>
+            <a:r>
+              <a:rPr lang="ko-KR" altLang="en-US" sz="600">
+                <a:solidFill>
+                  <a:srgbClr val="C00000"/>
+                </a:solidFill>
+                <a:latin typeface="Microsoft GothicNeo" panose="020B0503020000020004" pitchFamily="34" charset="-127"/>
+                <a:ea typeface="Microsoft GothicNeo" panose="020B0503020000020004" pitchFamily="34" charset="-127"/>
+                <a:cs typeface="Microsoft GothicNeo" panose="020B0503020000020004" pitchFamily="34" charset="-127"/>
+              </a:rPr>
+              <a:t>♥</a:t>
+            </a:r>
+            <a:r>
+              <a:rPr lang="ko-KR" altLang="en-US" sz="600">
+                <a:solidFill>
+                  <a:schemeClr val="bg2">
+                    <a:lumMod val="25000"/>
+                  </a:schemeClr>
+                </a:solidFill>
+                <a:latin typeface="Microsoft GothicNeo" panose="020B0503020000020004" pitchFamily="34" charset="-127"/>
+                <a:ea typeface="Microsoft GothicNeo" panose="020B0503020000020004" pitchFamily="34" charset="-127"/>
+                <a:cs typeface="Microsoft GothicNeo" panose="020B0503020000020004" pitchFamily="34" charset="-127"/>
+              </a:rPr>
+              <a:t> </a:t>
+            </a:r>
+            <a:r>
+              <a:rPr lang="en-US" altLang="ko-KR" sz="600">
+                <a:solidFill>
+                  <a:schemeClr val="bg2">
+                    <a:lumMod val="25000"/>
+                  </a:schemeClr>
+                </a:solidFill>
+                <a:latin typeface="Microsoft GothicNeo" panose="020B0503020000020004" pitchFamily="34" charset="-127"/>
+                <a:ea typeface="Microsoft GothicNeo" panose="020B0503020000020004" pitchFamily="34" charset="-127"/>
+                <a:cs typeface="Microsoft GothicNeo" panose="020B0503020000020004" pitchFamily="34" charset="-127"/>
+              </a:rPr>
+              <a:t>AED </a:t>
+            </a:r>
+            <a:r>
+              <a:rPr lang="ko-KR" altLang="en-US" sz="600">
+                <a:solidFill>
+                  <a:schemeClr val="bg2">
+                    <a:lumMod val="25000"/>
+                  </a:schemeClr>
+                </a:solidFill>
+                <a:latin typeface="Microsoft GothicNeo" panose="020B0503020000020004" pitchFamily="34" charset="-127"/>
+                <a:ea typeface="Microsoft GothicNeo" panose="020B0503020000020004" pitchFamily="34" charset="-127"/>
+                <a:cs typeface="Microsoft GothicNeo" panose="020B0503020000020004" pitchFamily="34" charset="-127"/>
+              </a:rPr>
+              <a:t>탐색기                                                               오전 </a:t>
+            </a:r>
+            <a:r>
+              <a:rPr lang="en-US" altLang="ko-KR" sz="600">
+                <a:solidFill>
+                  <a:schemeClr val="bg2">
+                    <a:lumMod val="25000"/>
+                  </a:schemeClr>
+                </a:solidFill>
+                <a:latin typeface="Microsoft GothicNeo" panose="020B0503020000020004" pitchFamily="34" charset="-127"/>
+                <a:ea typeface="Microsoft GothicNeo" panose="020B0503020000020004" pitchFamily="34" charset="-127"/>
+                <a:cs typeface="Microsoft GothicNeo" panose="020B0503020000020004" pitchFamily="34" charset="-127"/>
+              </a:rPr>
+              <a:t>11:39</a:t>
+            </a:r>
+          </a:p>
+          <a:p>
+            <a:endParaRPr lang="en-US" altLang="ko-KR" sz="600">
+              <a:solidFill>
+                <a:schemeClr val="bg2">
+                  <a:lumMod val="25000"/>
+                </a:schemeClr>
+              </a:solidFill>
+              <a:latin typeface="Microsoft GothicNeo" panose="020B0503020000020004" pitchFamily="34" charset="-127"/>
+              <a:ea typeface="Microsoft GothicNeo" panose="020B0503020000020004" pitchFamily="34" charset="-127"/>
+              <a:cs typeface="Microsoft GothicNeo" panose="020B0503020000020004" pitchFamily="34" charset="-127"/>
+            </a:endParaRPr>
+          </a:p>
+          <a:p>
+            <a:r>
+              <a:rPr lang="en-US" altLang="ko-KR" sz="600">
+                <a:solidFill>
+                  <a:schemeClr val="bg2">
+                    <a:lumMod val="25000"/>
+                  </a:schemeClr>
+                </a:solidFill>
+                <a:latin typeface="Microsoft GothicNeo" panose="020B0503020000020004" pitchFamily="34" charset="-127"/>
+                <a:ea typeface="Microsoft GothicNeo" panose="020B0503020000020004" pitchFamily="34" charset="-127"/>
+                <a:cs typeface="Microsoft GothicNeo" panose="020B0503020000020004" pitchFamily="34" charset="-127"/>
+              </a:rPr>
+              <a:t>[</a:t>
+            </a:r>
+            <a:r>
+              <a:rPr lang="ko-KR" altLang="en-US" sz="600">
+                <a:solidFill>
+                  <a:schemeClr val="bg2">
+                    <a:lumMod val="25000"/>
+                  </a:schemeClr>
+                </a:solidFill>
+                <a:latin typeface="Microsoft GothicNeo" panose="020B0503020000020004" pitchFamily="34" charset="-127"/>
+                <a:ea typeface="Microsoft GothicNeo" panose="020B0503020000020004" pitchFamily="34" charset="-127"/>
+                <a:cs typeface="Microsoft GothicNeo" panose="020B0503020000020004" pitchFamily="34" charset="-127"/>
+              </a:rPr>
+              <a:t>긴급</a:t>
+            </a:r>
+            <a:r>
+              <a:rPr lang="en-US" altLang="ko-KR" sz="600">
+                <a:solidFill>
+                  <a:schemeClr val="bg2">
+                    <a:lumMod val="25000"/>
+                  </a:schemeClr>
+                </a:solidFill>
+                <a:latin typeface="Microsoft GothicNeo" panose="020B0503020000020004" pitchFamily="34" charset="-127"/>
+                <a:ea typeface="Microsoft GothicNeo" panose="020B0503020000020004" pitchFamily="34" charset="-127"/>
+                <a:cs typeface="Microsoft GothicNeo" panose="020B0503020000020004" pitchFamily="34" charset="-127"/>
+              </a:rPr>
+              <a:t>] 150m </a:t>
+            </a:r>
+            <a:r>
+              <a:rPr lang="ko-KR" altLang="en-US" sz="600">
+                <a:solidFill>
+                  <a:schemeClr val="bg2">
+                    <a:lumMod val="25000"/>
+                  </a:schemeClr>
+                </a:solidFill>
+                <a:latin typeface="Microsoft GothicNeo" panose="020B0503020000020004" pitchFamily="34" charset="-127"/>
+                <a:ea typeface="Microsoft GothicNeo" panose="020B0503020000020004" pitchFamily="34" charset="-127"/>
+                <a:cs typeface="Microsoft GothicNeo" panose="020B0503020000020004" pitchFamily="34" charset="-127"/>
+              </a:rPr>
+              <a:t>거리에 심정지 환자 발생</a:t>
+            </a:r>
+            <a:r>
+              <a:rPr lang="en-US" altLang="ko-KR" sz="600">
+                <a:solidFill>
+                  <a:schemeClr val="bg2">
+                    <a:lumMod val="25000"/>
+                  </a:schemeClr>
+                </a:solidFill>
+                <a:latin typeface="Microsoft GothicNeo" panose="020B0503020000020004" pitchFamily="34" charset="-127"/>
+                <a:ea typeface="Microsoft GothicNeo" panose="020B0503020000020004" pitchFamily="34" charset="-127"/>
+                <a:cs typeface="Microsoft GothicNeo" panose="020B0503020000020004" pitchFamily="34" charset="-127"/>
+              </a:rPr>
+              <a:t>!</a:t>
+            </a:r>
+          </a:p>
+          <a:p>
+            <a:r>
+              <a:rPr lang="ko-KR" altLang="en-US" sz="600">
+                <a:solidFill>
+                  <a:schemeClr val="bg2">
+                    <a:lumMod val="25000"/>
+                  </a:schemeClr>
+                </a:solidFill>
+                <a:latin typeface="Microsoft GothicNeo" panose="020B0503020000020004" pitchFamily="34" charset="-127"/>
+                <a:ea typeface="Microsoft GothicNeo" panose="020B0503020000020004" pitchFamily="34" charset="-127"/>
+                <a:cs typeface="Microsoft GothicNeo" panose="020B0503020000020004" pitchFamily="34" charset="-127"/>
+              </a:rPr>
+              <a:t>현 위치로부터 </a:t>
+            </a:r>
+            <a:r>
+              <a:rPr lang="en-US" altLang="ko-KR" sz="600">
+                <a:solidFill>
+                  <a:schemeClr val="bg2">
+                    <a:lumMod val="25000"/>
+                  </a:schemeClr>
+                </a:solidFill>
+                <a:latin typeface="Microsoft GothicNeo" panose="020B0503020000020004" pitchFamily="34" charset="-127"/>
+                <a:ea typeface="Microsoft GothicNeo" panose="020B0503020000020004" pitchFamily="34" charset="-127"/>
+                <a:cs typeface="Microsoft GothicNeo" panose="020B0503020000020004" pitchFamily="34" charset="-127"/>
+              </a:rPr>
+              <a:t>30m </a:t>
+            </a:r>
+            <a:r>
+              <a:rPr lang="ko-KR" altLang="en-US" sz="600">
+                <a:solidFill>
+                  <a:schemeClr val="bg2">
+                    <a:lumMod val="25000"/>
+                  </a:schemeClr>
+                </a:solidFill>
+                <a:latin typeface="Microsoft GothicNeo" panose="020B0503020000020004" pitchFamily="34" charset="-127"/>
+                <a:ea typeface="Microsoft GothicNeo" panose="020B0503020000020004" pitchFamily="34" charset="-127"/>
+                <a:cs typeface="Microsoft GothicNeo" panose="020B0503020000020004" pitchFamily="34" charset="-127"/>
+              </a:rPr>
+              <a:t>근방에 </a:t>
+            </a:r>
+            <a:r>
+              <a:rPr lang="en-US" altLang="ko-KR" sz="600">
+                <a:solidFill>
+                  <a:schemeClr val="bg2">
+                    <a:lumMod val="25000"/>
+                  </a:schemeClr>
+                </a:solidFill>
+                <a:latin typeface="Microsoft GothicNeo" panose="020B0503020000020004" pitchFamily="34" charset="-127"/>
+                <a:ea typeface="Microsoft GothicNeo" panose="020B0503020000020004" pitchFamily="34" charset="-127"/>
+                <a:cs typeface="Microsoft GothicNeo" panose="020B0503020000020004" pitchFamily="34" charset="-127"/>
+              </a:rPr>
+              <a:t>AED</a:t>
+            </a:r>
+            <a:r>
+              <a:rPr lang="ko-KR" altLang="en-US" sz="600">
+                <a:solidFill>
+                  <a:schemeClr val="bg2">
+                    <a:lumMod val="25000"/>
+                  </a:schemeClr>
+                </a:solidFill>
+                <a:latin typeface="Microsoft GothicNeo" panose="020B0503020000020004" pitchFamily="34" charset="-127"/>
+                <a:ea typeface="Microsoft GothicNeo" panose="020B0503020000020004" pitchFamily="34" charset="-127"/>
+                <a:cs typeface="Microsoft GothicNeo" panose="020B0503020000020004" pitchFamily="34" charset="-127"/>
+              </a:rPr>
+              <a:t>가 있습니다</a:t>
+            </a:r>
+            <a:r>
+              <a:rPr lang="en-US" altLang="ko-KR" sz="600">
+                <a:solidFill>
+                  <a:schemeClr val="bg2">
+                    <a:lumMod val="25000"/>
+                  </a:schemeClr>
+                </a:solidFill>
+                <a:latin typeface="Microsoft GothicNeo" panose="020B0503020000020004" pitchFamily="34" charset="-127"/>
+                <a:ea typeface="Microsoft GothicNeo" panose="020B0503020000020004" pitchFamily="34" charset="-127"/>
+                <a:cs typeface="Microsoft GothicNeo" panose="020B0503020000020004" pitchFamily="34" charset="-127"/>
+              </a:rPr>
+              <a:t>.</a:t>
+            </a:r>
+            <a:endParaRPr lang="ko-KR" altLang="en-US" sz="600">
+              <a:solidFill>
+                <a:schemeClr val="bg2">
+                  <a:lumMod val="25000"/>
+                </a:schemeClr>
+              </a:solidFill>
+              <a:latin typeface="Microsoft GothicNeo" panose="020B0503020000020004" pitchFamily="34" charset="-127"/>
+              <a:ea typeface="Microsoft GothicNeo" panose="020B0503020000020004" pitchFamily="34" charset="-127"/>
+              <a:cs typeface="Microsoft GothicNeo" panose="020B0503020000020004" pitchFamily="34" charset="-127"/>
+            </a:endParaRPr>
+          </a:p>
+        </p:txBody>
+      </p:sp>
+      <p:sp>
+        <p:nvSpPr>
+          <p:cNvPr id="11" name="직사각형 10">
+            <a:extLst>
+              <a:ext uri="{FF2B5EF4-FFF2-40B4-BE49-F238E27FC236}">
+                <a16:creationId xmlns:a16="http://schemas.microsoft.com/office/drawing/2014/main" id="{1E9B0CBE-E8DE-42CB-8167-1259DF7D386D}"/>
+              </a:ext>
+            </a:extLst>
+          </p:cNvPr>
+          <p:cNvSpPr/>
+          <p:nvPr/>
+        </p:nvSpPr>
+        <p:spPr>
+          <a:xfrm>
+            <a:off x="1931195" y="2155825"/>
+            <a:ext cx="2202655" cy="187325"/>
+          </a:xfrm>
+          <a:prstGeom prst="rect">
+            <a:avLst/>
+          </a:prstGeom>
+          <a:solidFill>
+            <a:schemeClr val="bg1"/>
+          </a:solidFill>
+          <a:ln w="6350">
+            <a:solidFill>
+              <a:schemeClr val="bg1">
+                <a:lumMod val="75000"/>
+              </a:schemeClr>
+            </a:solidFill>
+          </a:ln>
+        </p:spPr>
+        <p:style>
+          <a:lnRef idx="2">
+            <a:schemeClr val="accent1">
+              <a:shade val="50000"/>
+            </a:schemeClr>
+          </a:lnRef>
+          <a:fillRef idx="1">
+            <a:schemeClr val="accent1"/>
+          </a:fillRef>
+          <a:effectRef idx="0">
+            <a:schemeClr val="accent1"/>
+          </a:effectRef>
+          <a:fontRef idx="minor">
+            <a:schemeClr val="lt1"/>
+          </a:fontRef>
+        </p:style>
+        <p:txBody>
+          <a:bodyPr rtlCol="0" anchor="ctr"/>
+          <a:lstStyle/>
+          <a:p>
+            <a:pPr algn="r"/>
+            <a:r>
+              <a:rPr lang="ko-KR" altLang="en-US" sz="600">
+                <a:solidFill>
+                  <a:schemeClr val="bg2">
+                    <a:lumMod val="25000"/>
+                  </a:schemeClr>
+                </a:solidFill>
+                <a:latin typeface="Microsoft GothicNeo" panose="020B0503020000020004" pitchFamily="34" charset="-127"/>
+                <a:ea typeface="Microsoft GothicNeo" panose="020B0503020000020004" pitchFamily="34" charset="-127"/>
+                <a:cs typeface="Microsoft GothicNeo" panose="020B0503020000020004" pitchFamily="34" charset="-127"/>
+              </a:rPr>
+              <a:t>알림 설정         지우기</a:t>
+            </a:r>
+          </a:p>
+        </p:txBody>
+      </p:sp>
+    </p:spTree>
+    <p:extLst>
+      <p:ext uri="{BB962C8B-B14F-4D97-AF65-F5344CB8AC3E}">
+        <p14:creationId xmlns:p14="http://schemas.microsoft.com/office/powerpoint/2010/main" val="198525145"/>
       </p:ext>
     </p:extLst>
   </p:cSld>
